--- a/1 - Keras and TF/multi-task-learning.pptx
+++ b/1 - Keras and TF/multi-task-learning.pptx
@@ -9,7 +9,9 @@
     <p:sldId id="258" r:id="rId3"/>
     <p:sldId id="260" r:id="rId4"/>
     <p:sldId id="257" r:id="rId5"/>
-    <p:sldId id="259" r:id="rId6"/>
+    <p:sldId id="261" r:id="rId6"/>
+    <p:sldId id="262" r:id="rId7"/>
+    <p:sldId id="259" r:id="rId8"/>
   </p:sldIdLst>
   <p:sldSz cx="12192000" cy="6858000"/>
   <p:notesSz cx="6858000" cy="9144000"/>
@@ -4836,6 +4838,983 @@
           <a:chExt cx="0" cy="0"/>
         </a:xfrm>
       </p:grpSpPr>
+      <p:sp>
+        <p:nvSpPr>
+          <p:cNvPr id="2" name="Title 1">
+            <a:extLst>
+              <a:ext uri="{FF2B5EF4-FFF2-40B4-BE49-F238E27FC236}">
+                <a16:creationId xmlns:a16="http://schemas.microsoft.com/office/drawing/2014/main" id="{ABFBD54A-5991-8DD2-1714-0D9EABE38A85}"/>
+              </a:ext>
+            </a:extLst>
+          </p:cNvPr>
+          <p:cNvSpPr>
+            <a:spLocks noGrp="1"/>
+          </p:cNvSpPr>
+          <p:nvPr>
+            <p:ph type="title"/>
+          </p:nvPr>
+        </p:nvSpPr>
+        <p:spPr>
+          <a:xfrm>
+            <a:off x="599661" y="212586"/>
+            <a:ext cx="10515600" cy="936901"/>
+          </a:xfrm>
+        </p:spPr>
+        <p:txBody>
+          <a:bodyPr/>
+          <a:lstStyle/>
+          <a:p>
+            <a:r>
+              <a:rPr lang="en-CH">
+                <a:latin typeface="Franklin Gothic Book" panose="020B0503020102020204" pitchFamily="34" charset="0"/>
+              </a:rPr>
+              <a:t>Loss Functions</a:t>
+            </a:r>
+          </a:p>
+        </p:txBody>
+      </p:sp>
+      <p:pic>
+        <p:nvPicPr>
+          <p:cNvPr id="4" name="Picture 3">
+            <a:extLst>
+              <a:ext uri="{FF2B5EF4-FFF2-40B4-BE49-F238E27FC236}">
+                <a16:creationId xmlns:a16="http://schemas.microsoft.com/office/drawing/2014/main" id="{FECB65C7-51D9-BC29-1E05-45CA1FF7409D}"/>
+              </a:ext>
+            </a:extLst>
+          </p:cNvPr>
+          <p:cNvPicPr>
+            <a:picLocks noChangeAspect="1"/>
+          </p:cNvPicPr>
+          <p:nvPr/>
+        </p:nvPicPr>
+        <p:blipFill>
+          <a:blip r:embed="rId2"/>
+          <a:stretch>
+            <a:fillRect/>
+          </a:stretch>
+        </p:blipFill>
+        <p:spPr>
+          <a:xfrm>
+            <a:off x="889059" y="1305765"/>
+            <a:ext cx="2438400" cy="1333500"/>
+          </a:xfrm>
+          <a:prstGeom prst="rect">
+            <a:avLst/>
+          </a:prstGeom>
+        </p:spPr>
+      </p:pic>
+      <p:pic>
+        <p:nvPicPr>
+          <p:cNvPr id="5" name="Picture 4">
+            <a:extLst>
+              <a:ext uri="{FF2B5EF4-FFF2-40B4-BE49-F238E27FC236}">
+                <a16:creationId xmlns:a16="http://schemas.microsoft.com/office/drawing/2014/main" id="{84FE2D90-C39D-AAB0-08F8-71BD59FC2B4B}"/>
+              </a:ext>
+            </a:extLst>
+          </p:cNvPr>
+          <p:cNvPicPr>
+            <a:picLocks noChangeAspect="1"/>
+          </p:cNvPicPr>
+          <p:nvPr/>
+        </p:nvPicPr>
+        <p:blipFill>
+          <a:blip r:embed="rId3">
+            <a:clrChange>
+              <a:clrFrom>
+                <a:srgbClr val="FFFFFF"/>
+              </a:clrFrom>
+              <a:clrTo>
+                <a:srgbClr val="FFFFFF">
+                  <a:alpha val="0"/>
+                </a:srgbClr>
+              </a:clrTo>
+            </a:clrChange>
+          </a:blip>
+          <a:stretch>
+            <a:fillRect/>
+          </a:stretch>
+        </p:blipFill>
+        <p:spPr>
+          <a:xfrm>
+            <a:off x="6643680" y="335846"/>
+            <a:ext cx="5336286" cy="2865783"/>
+          </a:xfrm>
+          <a:prstGeom prst="rect">
+            <a:avLst/>
+          </a:prstGeom>
+        </p:spPr>
+      </p:pic>
+      <p:sp>
+        <p:nvSpPr>
+          <p:cNvPr id="7" name="TextBox 6">
+            <a:extLst>
+              <a:ext uri="{FF2B5EF4-FFF2-40B4-BE49-F238E27FC236}">
+                <a16:creationId xmlns:a16="http://schemas.microsoft.com/office/drawing/2014/main" id="{EF1FA764-3E6A-B549-31E6-A939CA3F4E3E}"/>
+              </a:ext>
+            </a:extLst>
+          </p:cNvPr>
+          <p:cNvSpPr txBox="1"/>
+          <p:nvPr/>
+        </p:nvSpPr>
+        <p:spPr>
+          <a:xfrm>
+            <a:off x="809547" y="3926683"/>
+            <a:ext cx="10779480" cy="1938992"/>
+          </a:xfrm>
+          <a:prstGeom prst="rect">
+            <a:avLst/>
+          </a:prstGeom>
+          <a:noFill/>
+        </p:spPr>
+        <p:txBody>
+          <a:bodyPr wrap="square">
+            <a:spAutoFit/>
+          </a:bodyPr>
+          <a:lstStyle/>
+          <a:p>
+            <a:r>
+              <a:rPr lang="en-GB" sz="2400">
+                <a:effectLst/>
+                <a:latin typeface="Courier" pitchFamily="2" charset="0"/>
+              </a:rPr>
+              <a:t>losses</a:t>
+            </a:r>
+            <a:r>
+              <a:rPr lang="en-GB" sz="2400">
+                <a:latin typeface="Courier" pitchFamily="2" charset="0"/>
+              </a:rPr>
+              <a:t> </a:t>
+            </a:r>
+            <a:r>
+              <a:rPr lang="en-GB" sz="2400">
+                <a:effectLst/>
+                <a:latin typeface="Courier" pitchFamily="2" charset="0"/>
+              </a:rPr>
+              <a:t>=</a:t>
+            </a:r>
+            <a:r>
+              <a:rPr lang="en-GB" sz="2400">
+                <a:latin typeface="Courier" pitchFamily="2" charset="0"/>
+              </a:rPr>
+              <a:t> </a:t>
+            </a:r>
+            <a:r>
+              <a:rPr lang="en-GB" sz="2400">
+                <a:effectLst/>
+                <a:latin typeface="Courier" pitchFamily="2" charset="0"/>
+              </a:rPr>
+              <a:t>{</a:t>
+            </a:r>
+            <a:r>
+              <a:rPr lang="en-GB" sz="2400">
+                <a:latin typeface="Courier" pitchFamily="2" charset="0"/>
+              </a:rPr>
+              <a:t> </a:t>
+            </a:r>
+            <a:r>
+              <a:rPr lang="en-GB" sz="2400">
+                <a:effectLst/>
+                <a:latin typeface="Courier" pitchFamily="2" charset="0"/>
+              </a:rPr>
+              <a:t>"both_output":</a:t>
+            </a:r>
+            <a:r>
+              <a:rPr lang="en-GB" sz="2400">
+                <a:latin typeface="Courier" pitchFamily="2" charset="0"/>
+              </a:rPr>
+              <a:t> </a:t>
+            </a:r>
+            <a:r>
+              <a:rPr lang="en-GB" sz="2400">
+                <a:effectLst/>
+                <a:latin typeface="Courier" pitchFamily="2" charset="0"/>
+              </a:rPr>
+              <a:t>"mae",</a:t>
+            </a:r>
+            <a:r>
+              <a:rPr lang="en-GB" sz="2400">
+                <a:latin typeface="Courier" pitchFamily="2" charset="0"/>
+              </a:rPr>
+              <a:t> </a:t>
+            </a:r>
+            <a:r>
+              <a:rPr lang="en-GB" sz="2400">
+                <a:effectLst/>
+                <a:latin typeface="Courier" pitchFamily="2" charset="0"/>
+              </a:rPr>
+              <a:t>"O2_output":</a:t>
+            </a:r>
+            <a:r>
+              <a:rPr lang="en-GB" sz="2400">
+                <a:latin typeface="Courier" pitchFamily="2" charset="0"/>
+              </a:rPr>
+              <a:t> </a:t>
+            </a:r>
+            <a:r>
+              <a:rPr lang="en-GB" sz="2400">
+                <a:effectLst/>
+                <a:latin typeface="Courier" pitchFamily="2" charset="0"/>
+              </a:rPr>
+              <a:t>"mae",</a:t>
+            </a:r>
+            <a:r>
+              <a:rPr lang="en-GB" sz="2400">
+                <a:latin typeface="Courier" pitchFamily="2" charset="0"/>
+              </a:rPr>
+              <a:t> </a:t>
+            </a:r>
+            <a:r>
+              <a:rPr lang="en-GB" sz="2400">
+                <a:effectLst/>
+                <a:latin typeface="Courier" pitchFamily="2" charset="0"/>
+              </a:rPr>
+              <a:t>}</a:t>
+            </a:r>
+          </a:p>
+          <a:p>
+            <a:r>
+              <a:rPr lang="en-GB" sz="2400">
+                <a:effectLst/>
+                <a:latin typeface="Courier" pitchFamily="2" charset="0"/>
+              </a:rPr>
+              <a:t>lossWeights</a:t>
+            </a:r>
+            <a:r>
+              <a:rPr lang="en-GB" sz="2400">
+                <a:latin typeface="Courier" pitchFamily="2" charset="0"/>
+              </a:rPr>
+              <a:t> </a:t>
+            </a:r>
+            <a:r>
+              <a:rPr lang="en-GB" sz="2400">
+                <a:effectLst/>
+                <a:latin typeface="Courier" pitchFamily="2" charset="0"/>
+              </a:rPr>
+              <a:t>=</a:t>
+            </a:r>
+            <a:r>
+              <a:rPr lang="en-GB" sz="2400">
+                <a:latin typeface="Courier" pitchFamily="2" charset="0"/>
+              </a:rPr>
+              <a:t> </a:t>
+            </a:r>
+            <a:r>
+              <a:rPr lang="en-GB" sz="2400">
+                <a:effectLst/>
+                <a:latin typeface="Courier" pitchFamily="2" charset="0"/>
+              </a:rPr>
+              <a:t>{"both_output":</a:t>
+            </a:r>
+            <a:r>
+              <a:rPr lang="en-GB" sz="2400">
+                <a:latin typeface="Courier" pitchFamily="2" charset="0"/>
+              </a:rPr>
+              <a:t> </a:t>
+            </a:r>
+            <a:r>
+              <a:rPr lang="en-GB" sz="2400">
+                <a:effectLst/>
+                <a:latin typeface="Courier" pitchFamily="2" charset="0"/>
+              </a:rPr>
+              <a:t>0.3,</a:t>
+            </a:r>
+            <a:r>
+              <a:rPr lang="en-GB" sz="2400">
+                <a:latin typeface="Courier" pitchFamily="2" charset="0"/>
+              </a:rPr>
+              <a:t> </a:t>
+            </a:r>
+            <a:r>
+              <a:rPr lang="en-GB" sz="2400">
+                <a:effectLst/>
+                <a:latin typeface="Courier" pitchFamily="2" charset="0"/>
+              </a:rPr>
+              <a:t>"O2_output":</a:t>
+            </a:r>
+            <a:r>
+              <a:rPr lang="en-GB" sz="2400">
+                <a:latin typeface="Courier" pitchFamily="2" charset="0"/>
+              </a:rPr>
+              <a:t> </a:t>
+            </a:r>
+            <a:r>
+              <a:rPr lang="en-GB" sz="2400">
+                <a:effectLst/>
+                <a:latin typeface="Courier" pitchFamily="2" charset="0"/>
+              </a:rPr>
+              <a:t>1.0}</a:t>
+            </a:r>
+            <a:r>
+              <a:rPr lang="en-GB" sz="2400">
+                <a:latin typeface="Courier" pitchFamily="2" charset="0"/>
+              </a:rPr>
+              <a:t> </a:t>
+            </a:r>
+          </a:p>
+          <a:p>
+            <a:r>
+              <a:rPr lang="en-GB" sz="2400">
+                <a:effectLst/>
+                <a:latin typeface="Courier" pitchFamily="2" charset="0"/>
+              </a:rPr>
+              <a:t>opt</a:t>
+            </a:r>
+            <a:r>
+              <a:rPr lang="en-GB" sz="2400">
+                <a:latin typeface="Courier" pitchFamily="2" charset="0"/>
+              </a:rPr>
+              <a:t> </a:t>
+            </a:r>
+            <a:r>
+              <a:rPr lang="en-GB" sz="2400">
+                <a:effectLst/>
+                <a:latin typeface="Courier" pitchFamily="2" charset="0"/>
+              </a:rPr>
+              <a:t>=</a:t>
+            </a:r>
+            <a:r>
+              <a:rPr lang="en-GB" sz="2400">
+                <a:latin typeface="Courier" pitchFamily="2" charset="0"/>
+              </a:rPr>
+              <a:t> </a:t>
+            </a:r>
+            <a:r>
+              <a:rPr lang="en-GB" sz="2400">
+                <a:effectLst/>
+                <a:latin typeface="Courier" pitchFamily="2" charset="0"/>
+              </a:rPr>
+              <a:t>Adam(lr=1e-3)</a:t>
+            </a:r>
+            <a:r>
+              <a:rPr lang="en-GB" sz="2400">
+                <a:latin typeface="Courier" pitchFamily="2" charset="0"/>
+              </a:rPr>
+              <a:t> </a:t>
+            </a:r>
+          </a:p>
+          <a:p>
+            <a:r>
+              <a:rPr lang="en-GB" sz="2400">
+                <a:effectLst/>
+                <a:latin typeface="Courier" pitchFamily="2" charset="0"/>
+              </a:rPr>
+              <a:t>model.compile(optimizer=opt,</a:t>
+            </a:r>
+            <a:r>
+              <a:rPr lang="en-GB" sz="2400">
+                <a:latin typeface="Courier" pitchFamily="2" charset="0"/>
+              </a:rPr>
+              <a:t> </a:t>
+            </a:r>
+            <a:r>
+              <a:rPr lang="en-GB" sz="2400">
+                <a:effectLst/>
+                <a:latin typeface="Courier" pitchFamily="2" charset="0"/>
+              </a:rPr>
+              <a:t>loss=losses,</a:t>
+            </a:r>
+            <a:r>
+              <a:rPr lang="en-GB" sz="2400">
+                <a:latin typeface="Courier" pitchFamily="2" charset="0"/>
+              </a:rPr>
+              <a:t> </a:t>
+            </a:r>
+            <a:r>
+              <a:rPr lang="en-GB" sz="2400">
+                <a:effectLst/>
+                <a:latin typeface="Courier" pitchFamily="2" charset="0"/>
+              </a:rPr>
+              <a:t>loss_weights=lossWeights,</a:t>
+            </a:r>
+            <a:r>
+              <a:rPr lang="en-GB" sz="2400">
+                <a:latin typeface="Courier" pitchFamily="2" charset="0"/>
+              </a:rPr>
+              <a:t> </a:t>
+            </a:r>
+            <a:r>
+              <a:rPr lang="en-GB" sz="2400">
+                <a:effectLst/>
+                <a:latin typeface="Courier" pitchFamily="2" charset="0"/>
+              </a:rPr>
+              <a:t>metrics=["mae"])</a:t>
+            </a:r>
+            <a:endParaRPr lang="en-CH" sz="2400"/>
+          </a:p>
+        </p:txBody>
+      </p:sp>
+      <p:cxnSp>
+        <p:nvCxnSpPr>
+          <p:cNvPr id="9" name="Straight Arrow Connector 8">
+            <a:extLst>
+              <a:ext uri="{FF2B5EF4-FFF2-40B4-BE49-F238E27FC236}">
+                <a16:creationId xmlns:a16="http://schemas.microsoft.com/office/drawing/2014/main" id="{5BC04B55-17CA-2723-E9F3-B51A16D0CC21}"/>
+              </a:ext>
+            </a:extLst>
+          </p:cNvPr>
+          <p:cNvCxnSpPr>
+            <a:cxnSpLocks/>
+          </p:cNvCxnSpPr>
+          <p:nvPr/>
+        </p:nvCxnSpPr>
+        <p:spPr>
+          <a:xfrm>
+            <a:off x="2554357" y="2145898"/>
+            <a:ext cx="2673626" cy="2247198"/>
+          </a:xfrm>
+          <a:prstGeom prst="straightConnector1">
+            <a:avLst/>
+          </a:prstGeom>
+          <a:ln w="38100">
+            <a:solidFill>
+              <a:schemeClr val="accent1"/>
+            </a:solidFill>
+            <a:tailEnd type="triangle"/>
+          </a:ln>
+        </p:spPr>
+        <p:style>
+          <a:lnRef idx="1">
+            <a:schemeClr val="accent1"/>
+          </a:lnRef>
+          <a:fillRef idx="0">
+            <a:schemeClr val="accent1"/>
+          </a:fillRef>
+          <a:effectRef idx="0">
+            <a:schemeClr val="accent1"/>
+          </a:effectRef>
+          <a:fontRef idx="minor">
+            <a:schemeClr val="tx1"/>
+          </a:fontRef>
+        </p:style>
+      </p:cxnSp>
+      <p:cxnSp>
+        <p:nvCxnSpPr>
+          <p:cNvPr id="11" name="Straight Arrow Connector 10">
+            <a:extLst>
+              <a:ext uri="{FF2B5EF4-FFF2-40B4-BE49-F238E27FC236}">
+                <a16:creationId xmlns:a16="http://schemas.microsoft.com/office/drawing/2014/main" id="{D9A51166-7A5C-D7C1-C4E1-4E927A7D80D8}"/>
+              </a:ext>
+            </a:extLst>
+          </p:cNvPr>
+          <p:cNvCxnSpPr>
+            <a:cxnSpLocks/>
+          </p:cNvCxnSpPr>
+          <p:nvPr/>
+        </p:nvCxnSpPr>
+        <p:spPr>
+          <a:xfrm>
+            <a:off x="2554357" y="2145898"/>
+            <a:ext cx="5625547" cy="2283137"/>
+          </a:xfrm>
+          <a:prstGeom prst="straightConnector1">
+            <a:avLst/>
+          </a:prstGeom>
+          <a:ln w="38100">
+            <a:solidFill>
+              <a:schemeClr val="accent1"/>
+            </a:solidFill>
+            <a:tailEnd type="triangle"/>
+          </a:ln>
+        </p:spPr>
+        <p:style>
+          <a:lnRef idx="1">
+            <a:schemeClr val="accent1"/>
+          </a:lnRef>
+          <a:fillRef idx="0">
+            <a:schemeClr val="accent1"/>
+          </a:fillRef>
+          <a:effectRef idx="0">
+            <a:schemeClr val="accent1"/>
+          </a:effectRef>
+          <a:fontRef idx="minor">
+            <a:schemeClr val="tx1"/>
+          </a:fontRef>
+        </p:style>
+      </p:cxnSp>
+      <p:cxnSp>
+        <p:nvCxnSpPr>
+          <p:cNvPr id="15" name="Straight Arrow Connector 14">
+            <a:extLst>
+              <a:ext uri="{FF2B5EF4-FFF2-40B4-BE49-F238E27FC236}">
+                <a16:creationId xmlns:a16="http://schemas.microsoft.com/office/drawing/2014/main" id="{F088A2AE-3594-8696-0ACF-E26D529D8935}"/>
+              </a:ext>
+            </a:extLst>
+          </p:cNvPr>
+          <p:cNvCxnSpPr>
+            <a:cxnSpLocks/>
+          </p:cNvCxnSpPr>
+          <p:nvPr/>
+        </p:nvCxnSpPr>
+        <p:spPr>
+          <a:xfrm>
+            <a:off x="2843618" y="2145898"/>
+            <a:ext cx="774225" cy="1823950"/>
+          </a:xfrm>
+          <a:prstGeom prst="straightConnector1">
+            <a:avLst/>
+          </a:prstGeom>
+          <a:ln w="38100">
+            <a:solidFill>
+              <a:schemeClr val="accent2"/>
+            </a:solidFill>
+            <a:tailEnd type="triangle"/>
+          </a:ln>
+        </p:spPr>
+        <p:style>
+          <a:lnRef idx="1">
+            <a:schemeClr val="accent1"/>
+          </a:lnRef>
+          <a:fillRef idx="0">
+            <a:schemeClr val="accent1"/>
+          </a:fillRef>
+          <a:effectRef idx="0">
+            <a:schemeClr val="accent1"/>
+          </a:effectRef>
+          <a:fontRef idx="minor">
+            <a:schemeClr val="tx1"/>
+          </a:fontRef>
+        </p:style>
+      </p:cxnSp>
+      <p:cxnSp>
+        <p:nvCxnSpPr>
+          <p:cNvPr id="18" name="Straight Arrow Connector 17">
+            <a:extLst>
+              <a:ext uri="{FF2B5EF4-FFF2-40B4-BE49-F238E27FC236}">
+                <a16:creationId xmlns:a16="http://schemas.microsoft.com/office/drawing/2014/main" id="{D9ED5E44-B63F-85D0-1C3B-2DB7E6A7EB91}"/>
+              </a:ext>
+            </a:extLst>
+          </p:cNvPr>
+          <p:cNvCxnSpPr>
+            <a:cxnSpLocks/>
+          </p:cNvCxnSpPr>
+          <p:nvPr/>
+        </p:nvCxnSpPr>
+        <p:spPr>
+          <a:xfrm>
+            <a:off x="2843618" y="2152888"/>
+            <a:ext cx="5038112" cy="1912216"/>
+          </a:xfrm>
+          <a:prstGeom prst="straightConnector1">
+            <a:avLst/>
+          </a:prstGeom>
+          <a:ln w="38100">
+            <a:solidFill>
+              <a:schemeClr val="accent2"/>
+            </a:solidFill>
+            <a:tailEnd type="triangle"/>
+          </a:ln>
+        </p:spPr>
+        <p:style>
+          <a:lnRef idx="1">
+            <a:schemeClr val="accent1"/>
+          </a:lnRef>
+          <a:fillRef idx="0">
+            <a:schemeClr val="accent1"/>
+          </a:fillRef>
+          <a:effectRef idx="0">
+            <a:schemeClr val="accent1"/>
+          </a:effectRef>
+          <a:fontRef idx="minor">
+            <a:schemeClr val="tx1"/>
+          </a:fontRef>
+        </p:style>
+      </p:cxnSp>
+    </p:spTree>
+    <p:extLst>
+      <p:ext uri="{BB962C8B-B14F-4D97-AF65-F5344CB8AC3E}">
+        <p14:creationId xmlns:p14="http://schemas.microsoft.com/office/powerpoint/2010/main" val="2128393472"/>
+      </p:ext>
+    </p:extLst>
+  </p:cSld>
+  <p:clrMapOvr>
+    <a:masterClrMapping/>
+  </p:clrMapOvr>
+</p:sld>
+</file>
+
+<file path=ppt/slides/slide6.xml><?xml version="1.0" encoding="utf-8"?>
+<p:sld xmlns:a="http://schemas.openxmlformats.org/drawingml/2006/main" xmlns:r="http://schemas.openxmlformats.org/officeDocument/2006/relationships" xmlns:p="http://schemas.openxmlformats.org/presentationml/2006/main">
+  <p:cSld>
+    <p:spTree>
+      <p:nvGrpSpPr>
+        <p:cNvPr id="1" name=""/>
+        <p:cNvGrpSpPr/>
+        <p:nvPr/>
+      </p:nvGrpSpPr>
+      <p:grpSpPr>
+        <a:xfrm>
+          <a:off x="0" y="0"/>
+          <a:ext cx="0" cy="0"/>
+          <a:chOff x="0" y="0"/>
+          <a:chExt cx="0" cy="0"/>
+        </a:xfrm>
+      </p:grpSpPr>
+      <p:sp>
+        <p:nvSpPr>
+          <p:cNvPr id="2" name="Title 1">
+            <a:extLst>
+              <a:ext uri="{FF2B5EF4-FFF2-40B4-BE49-F238E27FC236}">
+                <a16:creationId xmlns:a16="http://schemas.microsoft.com/office/drawing/2014/main" id="{9C78C4A1-B088-476D-9839-AC44D342F951}"/>
+              </a:ext>
+            </a:extLst>
+          </p:cNvPr>
+          <p:cNvSpPr>
+            <a:spLocks noGrp="1"/>
+          </p:cNvSpPr>
+          <p:nvPr>
+            <p:ph type="title"/>
+          </p:nvPr>
+        </p:nvSpPr>
+        <p:spPr/>
+        <p:txBody>
+          <a:bodyPr/>
+          <a:lstStyle/>
+          <a:p>
+            <a:r>
+              <a:rPr lang="en-CH"/>
+              <a:t>Training</a:t>
+            </a:r>
+          </a:p>
+        </p:txBody>
+      </p:sp>
+      <p:sp>
+        <p:nvSpPr>
+          <p:cNvPr id="3" name="Content Placeholder 2">
+            <a:extLst>
+              <a:ext uri="{FF2B5EF4-FFF2-40B4-BE49-F238E27FC236}">
+                <a16:creationId xmlns:a16="http://schemas.microsoft.com/office/drawing/2014/main" id="{FDD60E0D-E246-084C-9C16-89AD20460596}"/>
+              </a:ext>
+            </a:extLst>
+          </p:cNvPr>
+          <p:cNvSpPr>
+            <a:spLocks noGrp="1"/>
+          </p:cNvSpPr>
+          <p:nvPr>
+            <p:ph idx="1"/>
+          </p:nvPr>
+        </p:nvSpPr>
+        <p:spPr>
+          <a:xfrm>
+            <a:off x="838200" y="1885260"/>
+            <a:ext cx="10515600" cy="4351338"/>
+          </a:xfrm>
+        </p:spPr>
+        <p:txBody>
+          <a:bodyPr/>
+          <a:lstStyle/>
+          <a:p>
+            <a:pPr marL="0" indent="0">
+              <a:buNone/>
+            </a:pPr>
+            <a:r>
+              <a:rPr lang="en-GB">
+                <a:effectLst/>
+                <a:latin typeface="Courier" pitchFamily="2" charset="0"/>
+              </a:rPr>
+              <a:t>H</a:t>
+            </a:r>
+            <a:r>
+              <a:rPr lang="en-GB">
+                <a:latin typeface="Courier" pitchFamily="2" charset="0"/>
+              </a:rPr>
+              <a:t> </a:t>
+            </a:r>
+            <a:r>
+              <a:rPr lang="en-GB" b="1">
+                <a:effectLst/>
+                <a:latin typeface="Courier" pitchFamily="2" charset="0"/>
+              </a:rPr>
+              <a:t>=</a:t>
+            </a:r>
+            <a:r>
+              <a:rPr lang="en-GB">
+                <a:latin typeface="Courier" pitchFamily="2" charset="0"/>
+              </a:rPr>
+              <a:t> </a:t>
+            </a:r>
+            <a:r>
+              <a:rPr lang="en-GB">
+                <a:effectLst/>
+                <a:latin typeface="Courier" pitchFamily="2" charset="0"/>
+              </a:rPr>
+              <a:t>model</a:t>
+            </a:r>
+            <a:r>
+              <a:rPr lang="en-GB" b="1">
+                <a:effectLst/>
+                <a:latin typeface="Courier" pitchFamily="2" charset="0"/>
+              </a:rPr>
+              <a:t>.</a:t>
+            </a:r>
+            <a:r>
+              <a:rPr lang="en-GB">
+                <a:effectLst/>
+                <a:latin typeface="Courier" pitchFamily="2" charset="0"/>
+              </a:rPr>
+              <a:t>fit(data_train,</a:t>
+            </a:r>
+            <a:r>
+              <a:rPr lang="en-GB">
+                <a:latin typeface="Courier" pitchFamily="2" charset="0"/>
+              </a:rPr>
+              <a:t> </a:t>
+            </a:r>
+            <a:r>
+              <a:rPr lang="en-GB">
+                <a:effectLst/>
+                <a:latin typeface="Courier" pitchFamily="2" charset="0"/>
+              </a:rPr>
+              <a:t>{"both_output":</a:t>
+            </a:r>
+            <a:r>
+              <a:rPr lang="en-GB">
+                <a:latin typeface="Courier" pitchFamily="2" charset="0"/>
+              </a:rPr>
+              <a:t> 	</a:t>
+            </a:r>
+            <a:r>
+              <a:rPr lang="en-GB">
+                <a:effectLst/>
+                <a:latin typeface="Courier" pitchFamily="2" charset="0"/>
+              </a:rPr>
+              <a:t>targets_train,</a:t>
+            </a:r>
+            <a:r>
+              <a:rPr lang="en-GB">
+                <a:latin typeface="Courier" pitchFamily="2" charset="0"/>
+              </a:rPr>
+              <a:t> </a:t>
+            </a:r>
+            <a:r>
+              <a:rPr lang="en-GB">
+                <a:effectLst/>
+                <a:latin typeface="Courier" pitchFamily="2" charset="0"/>
+              </a:rPr>
+              <a:t>"O2_output":</a:t>
+            </a:r>
+            <a:r>
+              <a:rPr lang="en-GB">
+                <a:latin typeface="Courier" pitchFamily="2" charset="0"/>
+              </a:rPr>
+              <a:t> </a:t>
+            </a:r>
+            <a:r>
+              <a:rPr lang="en-GB">
+                <a:effectLst/>
+                <a:latin typeface="Courier" pitchFamily="2" charset="0"/>
+              </a:rPr>
+              <a:t>targets_train_O2},</a:t>
+            </a:r>
+          </a:p>
+          <a:p>
+            <a:pPr marL="0" indent="0">
+              <a:buNone/>
+            </a:pPr>
+            <a:r>
+              <a:rPr lang="en-GB">
+                <a:latin typeface="Courier" pitchFamily="2" charset="0"/>
+              </a:rPr>
+              <a:t>	</a:t>
+            </a:r>
+            <a:r>
+              <a:rPr lang="en-GB">
+                <a:effectLst/>
+                <a:latin typeface="Courier" pitchFamily="2" charset="0"/>
+              </a:rPr>
+              <a:t>validation_data</a:t>
+            </a:r>
+            <a:r>
+              <a:rPr lang="en-GB" b="1">
+                <a:effectLst/>
+                <a:latin typeface="Courier" pitchFamily="2" charset="0"/>
+              </a:rPr>
+              <a:t>=</a:t>
+            </a:r>
+            <a:r>
+              <a:rPr lang="en-GB">
+                <a:effectLst/>
+                <a:latin typeface="Courier" pitchFamily="2" charset="0"/>
+              </a:rPr>
+              <a:t>(data_dev,</a:t>
+            </a:r>
+            <a:r>
+              <a:rPr lang="en-GB">
+                <a:latin typeface="Courier" pitchFamily="2" charset="0"/>
+              </a:rPr>
+              <a:t> </a:t>
+            </a:r>
+            <a:r>
+              <a:rPr lang="en-GB">
+                <a:effectLst/>
+                <a:latin typeface="Courier" pitchFamily="2" charset="0"/>
+              </a:rPr>
+              <a:t>{"both_output":</a:t>
+            </a:r>
+            <a:r>
+              <a:rPr lang="en-GB">
+                <a:latin typeface="Courier" pitchFamily="2" charset="0"/>
+              </a:rPr>
+              <a:t> 	</a:t>
+            </a:r>
+            <a:r>
+              <a:rPr lang="en-GB">
+                <a:effectLst/>
+                <a:latin typeface="Courier" pitchFamily="2" charset="0"/>
+              </a:rPr>
+              <a:t>targets_dev,</a:t>
+            </a:r>
+            <a:r>
+              <a:rPr lang="en-GB">
+                <a:latin typeface="Courier" pitchFamily="2" charset="0"/>
+              </a:rPr>
+              <a:t> </a:t>
+            </a:r>
+            <a:r>
+              <a:rPr lang="en-GB">
+                <a:effectLst/>
+                <a:latin typeface="Courier" pitchFamily="2" charset="0"/>
+              </a:rPr>
+              <a:t>"O2_output":</a:t>
+            </a:r>
+            <a:r>
+              <a:rPr lang="en-GB">
+                <a:latin typeface="Courier" pitchFamily="2" charset="0"/>
+              </a:rPr>
+              <a:t> </a:t>
+            </a:r>
+            <a:r>
+              <a:rPr lang="en-GB">
+                <a:effectLst/>
+                <a:latin typeface="Courier" pitchFamily="2" charset="0"/>
+              </a:rPr>
+              <a:t>targest_dev_O2}),</a:t>
+            </a:r>
+          </a:p>
+          <a:p>
+            <a:pPr marL="0" indent="0">
+              <a:buNone/>
+            </a:pPr>
+            <a:r>
+              <a:rPr lang="en-GB">
+                <a:effectLst/>
+                <a:latin typeface="Courier" pitchFamily="2" charset="0"/>
+              </a:rPr>
+              <a:t>	epochs</a:t>
+            </a:r>
+            <a:r>
+              <a:rPr lang="en-GB" b="1">
+                <a:effectLst/>
+                <a:latin typeface="Courier" pitchFamily="2" charset="0"/>
+              </a:rPr>
+              <a:t>=</a:t>
+            </a:r>
+            <a:r>
+              <a:rPr lang="en-GB">
+                <a:effectLst/>
+                <a:latin typeface="Courier" pitchFamily="2" charset="0"/>
+              </a:rPr>
+              <a:t>1000,</a:t>
+            </a:r>
+            <a:r>
+              <a:rPr lang="en-GB">
+                <a:latin typeface="Courier" pitchFamily="2" charset="0"/>
+              </a:rPr>
+              <a:t> </a:t>
+            </a:r>
+            <a:r>
+              <a:rPr lang="en-GB">
+                <a:effectLst/>
+                <a:latin typeface="Courier" pitchFamily="2" charset="0"/>
+              </a:rPr>
+              <a:t>verbose</a:t>
+            </a:r>
+            <a:r>
+              <a:rPr lang="en-GB" b="1">
+                <a:effectLst/>
+                <a:latin typeface="Courier" pitchFamily="2" charset="0"/>
+              </a:rPr>
+              <a:t>=</a:t>
+            </a:r>
+            <a:r>
+              <a:rPr lang="en-GB">
+                <a:effectLst/>
+                <a:latin typeface="Courier" pitchFamily="2" charset="0"/>
+              </a:rPr>
+              <a:t>0,</a:t>
+            </a:r>
+            <a:r>
+              <a:rPr lang="en-GB">
+                <a:latin typeface="Courier" pitchFamily="2" charset="0"/>
+              </a:rPr>
+              <a:t> </a:t>
+            </a:r>
+            <a:r>
+              <a:rPr lang="en-GB">
+                <a:effectLst/>
+                <a:latin typeface="Courier" pitchFamily="2" charset="0"/>
+              </a:rPr>
+              <a:t>callbacks</a:t>
+            </a:r>
+            <a:r>
+              <a:rPr lang="en-GB">
+                <a:latin typeface="Courier" pitchFamily="2" charset="0"/>
+              </a:rPr>
+              <a:t> </a:t>
+            </a:r>
+            <a:r>
+              <a:rPr lang="en-GB" b="1">
+                <a:effectLst/>
+                <a:latin typeface="Courier" pitchFamily="2" charset="0"/>
+              </a:rPr>
+              <a:t>=</a:t>
+            </a:r>
+            <a:r>
+              <a:rPr lang="en-GB">
+                <a:latin typeface="Courier" pitchFamily="2" charset="0"/>
+              </a:rPr>
+              <a:t> </a:t>
+            </a:r>
+            <a:r>
+              <a:rPr lang="en-GB">
+                <a:effectLst/>
+                <a:latin typeface="Courier" pitchFamily="2" charset="0"/>
+              </a:rPr>
+              <a:t>[CustomCallback_()])</a:t>
+            </a:r>
+            <a:endParaRPr lang="en-CH"/>
+          </a:p>
+        </p:txBody>
+      </p:sp>
+    </p:spTree>
+    <p:extLst>
+      <p:ext uri="{BB962C8B-B14F-4D97-AF65-F5344CB8AC3E}">
+        <p14:creationId xmlns:p14="http://schemas.microsoft.com/office/powerpoint/2010/main" val="1283698072"/>
+      </p:ext>
+    </p:extLst>
+  </p:cSld>
+  <p:clrMapOvr>
+    <a:masterClrMapping/>
+  </p:clrMapOvr>
+</p:sld>
+</file>
+
+<file path=ppt/slides/slide7.xml><?xml version="1.0" encoding="utf-8"?>
+<p:sld xmlns:a="http://schemas.openxmlformats.org/drawingml/2006/main" xmlns:r="http://schemas.openxmlformats.org/officeDocument/2006/relationships" xmlns:p="http://schemas.openxmlformats.org/presentationml/2006/main">
+  <p:cSld>
+    <p:spTree>
+      <p:nvGrpSpPr>
+        <p:cNvPr id="1" name=""/>
+        <p:cNvGrpSpPr/>
+        <p:nvPr/>
+      </p:nvGrpSpPr>
+      <p:grpSpPr>
+        <a:xfrm>
+          <a:off x="0" y="0"/>
+          <a:ext cx="0" cy="0"/>
+          <a:chOff x="0" y="0"/>
+          <a:chExt cx="0" cy="0"/>
+        </a:xfrm>
+      </p:grpSpPr>
       <p:pic>
         <p:nvPicPr>
           <p:cNvPr id="2" name="Picture 1">
